--- a/2023-04-27 ABP Community Talks 2023.3/What is new with ABP 7.2 RC.1.pptx
+++ b/2023-04-27 ABP Community Talks 2023.3/What is new with ABP 7.2 RC.1.pptx
@@ -265,7 +265,7 @@
           <a:p>
             <a:fld id="{2A14C9FE-EBC3-45D3-899C-58AAF4F8AF71}" type="datetimeFigureOut">
               <a:rPr lang="en-US" smtClean="0"/>
-              <a:t>4/18/2023</a:t>
+              <a:t>4/27/2023</a:t>
             </a:fld>
             <a:endParaRPr lang="en-US"/>
           </a:p>
@@ -463,7 +463,7 @@
           <a:p>
             <a:fld id="{2A14C9FE-EBC3-45D3-899C-58AAF4F8AF71}" type="datetimeFigureOut">
               <a:rPr lang="en-US" smtClean="0"/>
-              <a:t>4/18/2023</a:t>
+              <a:t>4/27/2023</a:t>
             </a:fld>
             <a:endParaRPr lang="en-US"/>
           </a:p>
@@ -671,7 +671,7 @@
           <a:p>
             <a:fld id="{2A14C9FE-EBC3-45D3-899C-58AAF4F8AF71}" type="datetimeFigureOut">
               <a:rPr lang="en-US" smtClean="0"/>
-              <a:t>4/18/2023</a:t>
+              <a:t>4/27/2023</a:t>
             </a:fld>
             <a:endParaRPr lang="en-US"/>
           </a:p>
@@ -869,7 +869,7 @@
           <a:p>
             <a:fld id="{2A14C9FE-EBC3-45D3-899C-58AAF4F8AF71}" type="datetimeFigureOut">
               <a:rPr lang="en-US" smtClean="0"/>
-              <a:t>4/18/2023</a:t>
+              <a:t>4/27/2023</a:t>
             </a:fld>
             <a:endParaRPr lang="en-US"/>
           </a:p>
@@ -1144,7 +1144,7 @@
           <a:p>
             <a:fld id="{2A14C9FE-EBC3-45D3-899C-58AAF4F8AF71}" type="datetimeFigureOut">
               <a:rPr lang="en-US" smtClean="0"/>
-              <a:t>4/18/2023</a:t>
+              <a:t>4/27/2023</a:t>
             </a:fld>
             <a:endParaRPr lang="en-US"/>
           </a:p>
@@ -1409,7 +1409,7 @@
           <a:p>
             <a:fld id="{2A14C9FE-EBC3-45D3-899C-58AAF4F8AF71}" type="datetimeFigureOut">
               <a:rPr lang="en-US" smtClean="0"/>
-              <a:t>4/18/2023</a:t>
+              <a:t>4/27/2023</a:t>
             </a:fld>
             <a:endParaRPr lang="en-US"/>
           </a:p>
@@ -1821,7 +1821,7 @@
           <a:p>
             <a:fld id="{2A14C9FE-EBC3-45D3-899C-58AAF4F8AF71}" type="datetimeFigureOut">
               <a:rPr lang="en-US" smtClean="0"/>
-              <a:t>4/18/2023</a:t>
+              <a:t>4/27/2023</a:t>
             </a:fld>
             <a:endParaRPr lang="en-US"/>
           </a:p>
@@ -1962,7 +1962,7 @@
           <a:p>
             <a:fld id="{2A14C9FE-EBC3-45D3-899C-58AAF4F8AF71}" type="datetimeFigureOut">
               <a:rPr lang="en-US" smtClean="0"/>
-              <a:t>4/18/2023</a:t>
+              <a:t>4/27/2023</a:t>
             </a:fld>
             <a:endParaRPr lang="en-US"/>
           </a:p>
@@ -2075,7 +2075,7 @@
           <a:p>
             <a:fld id="{2A14C9FE-EBC3-45D3-899C-58AAF4F8AF71}" type="datetimeFigureOut">
               <a:rPr lang="en-US" smtClean="0"/>
-              <a:t>4/18/2023</a:t>
+              <a:t>4/27/2023</a:t>
             </a:fld>
             <a:endParaRPr lang="en-US"/>
           </a:p>
@@ -2386,7 +2386,7 @@
           <a:p>
             <a:fld id="{2A14C9FE-EBC3-45D3-899C-58AAF4F8AF71}" type="datetimeFigureOut">
               <a:rPr lang="en-US" smtClean="0"/>
-              <a:t>4/18/2023</a:t>
+              <a:t>4/27/2023</a:t>
             </a:fld>
             <a:endParaRPr lang="en-US"/>
           </a:p>
@@ -2674,7 +2674,7 @@
           <a:p>
             <a:fld id="{2A14C9FE-EBC3-45D3-899C-58AAF4F8AF71}" type="datetimeFigureOut">
               <a:rPr lang="en-US" smtClean="0"/>
-              <a:t>4/18/2023</a:t>
+              <a:t>4/27/2023</a:t>
             </a:fld>
             <a:endParaRPr lang="en-US"/>
           </a:p>
@@ -2915,7 +2915,7 @@
           <a:p>
             <a:fld id="{2A14C9FE-EBC3-45D3-899C-58AAF4F8AF71}" type="datetimeFigureOut">
               <a:rPr lang="en-US" smtClean="0"/>
-              <a:t>4/18/2023</a:t>
+              <a:t>4/27/2023</a:t>
             </a:fld>
             <a:endParaRPr lang="en-US"/>
           </a:p>
@@ -4204,6 +4204,223 @@
           </a:effectLst>
         </p:spPr>
       </p:pic>
+      <p:sp>
+        <p:nvSpPr>
+          <p:cNvPr id="4" name="Content Placeholder 2">
+            <a:extLst>
+              <a:ext uri="{FF2B5EF4-FFF2-40B4-BE49-F238E27FC236}">
+                <a16:creationId xmlns:a16="http://schemas.microsoft.com/office/drawing/2014/main" id="{244F5CFF-D790-CBDD-8A80-C3D46D9CBCE4}"/>
+              </a:ext>
+            </a:extLst>
+          </p:cNvPr>
+          <p:cNvSpPr txBox="1">
+            <a:spLocks/>
+          </p:cNvSpPr>
+          <p:nvPr/>
+        </p:nvSpPr>
+        <p:spPr>
+          <a:xfrm>
+            <a:off x="793311" y="5489612"/>
+            <a:ext cx="8679511" cy="867525"/>
+          </a:xfrm>
+          <a:prstGeom prst="rect">
+            <a:avLst/>
+          </a:prstGeom>
+        </p:spPr>
+        <p:txBody>
+          <a:bodyPr vert="horz" lIns="91440" tIns="45720" rIns="91440" bIns="45720" rtlCol="0">
+            <a:normAutofit/>
+          </a:bodyPr>
+          <a:lstStyle>
+            <a:lvl1pPr marL="228600" indent="-228600" algn="l" defTabSz="914400" rtl="0" eaLnBrk="1" latinLnBrk="0" hangingPunct="1">
+              <a:lnSpc>
+                <a:spcPct val="90000"/>
+              </a:lnSpc>
+              <a:spcBef>
+                <a:spcPts val="1000"/>
+              </a:spcBef>
+              <a:buFont typeface="Arial" panose="020B0604020202020204" pitchFamily="34" charset="0"/>
+              <a:buChar char="•"/>
+              <a:defRPr sz="2800" kern="1200">
+                <a:solidFill>
+                  <a:schemeClr val="tx1"/>
+                </a:solidFill>
+                <a:latin typeface="+mn-lt"/>
+                <a:ea typeface="+mn-ea"/>
+                <a:cs typeface="+mn-cs"/>
+              </a:defRPr>
+            </a:lvl1pPr>
+            <a:lvl2pPr marL="685800" indent="-228600" algn="l" defTabSz="914400" rtl="0" eaLnBrk="1" latinLnBrk="0" hangingPunct="1">
+              <a:lnSpc>
+                <a:spcPct val="90000"/>
+              </a:lnSpc>
+              <a:spcBef>
+                <a:spcPts val="500"/>
+              </a:spcBef>
+              <a:buFont typeface="Arial" panose="020B0604020202020204" pitchFamily="34" charset="0"/>
+              <a:buChar char="•"/>
+              <a:defRPr sz="2400" kern="1200">
+                <a:solidFill>
+                  <a:schemeClr val="tx1"/>
+                </a:solidFill>
+                <a:latin typeface="+mn-lt"/>
+                <a:ea typeface="+mn-ea"/>
+                <a:cs typeface="+mn-cs"/>
+              </a:defRPr>
+            </a:lvl2pPr>
+            <a:lvl3pPr marL="1143000" indent="-228600" algn="l" defTabSz="914400" rtl="0" eaLnBrk="1" latinLnBrk="0" hangingPunct="1">
+              <a:lnSpc>
+                <a:spcPct val="90000"/>
+              </a:lnSpc>
+              <a:spcBef>
+                <a:spcPts val="500"/>
+              </a:spcBef>
+              <a:buFont typeface="Arial" panose="020B0604020202020204" pitchFamily="34" charset="0"/>
+              <a:buChar char="•"/>
+              <a:defRPr sz="2000" kern="1200">
+                <a:solidFill>
+                  <a:schemeClr val="tx1"/>
+                </a:solidFill>
+                <a:latin typeface="+mn-lt"/>
+                <a:ea typeface="+mn-ea"/>
+                <a:cs typeface="+mn-cs"/>
+              </a:defRPr>
+            </a:lvl3pPr>
+            <a:lvl4pPr marL="1600200" indent="-228600" algn="l" defTabSz="914400" rtl="0" eaLnBrk="1" latinLnBrk="0" hangingPunct="1">
+              <a:lnSpc>
+                <a:spcPct val="90000"/>
+              </a:lnSpc>
+              <a:spcBef>
+                <a:spcPts val="500"/>
+              </a:spcBef>
+              <a:buFont typeface="Arial" panose="020B0604020202020204" pitchFamily="34" charset="0"/>
+              <a:buChar char="•"/>
+              <a:defRPr sz="1800" kern="1200">
+                <a:solidFill>
+                  <a:schemeClr val="tx1"/>
+                </a:solidFill>
+                <a:latin typeface="+mn-lt"/>
+                <a:ea typeface="+mn-ea"/>
+                <a:cs typeface="+mn-cs"/>
+              </a:defRPr>
+            </a:lvl4pPr>
+            <a:lvl5pPr marL="2057400" indent="-228600" algn="l" defTabSz="914400" rtl="0" eaLnBrk="1" latinLnBrk="0" hangingPunct="1">
+              <a:lnSpc>
+                <a:spcPct val="90000"/>
+              </a:lnSpc>
+              <a:spcBef>
+                <a:spcPts val="500"/>
+              </a:spcBef>
+              <a:buFont typeface="Arial" panose="020B0604020202020204" pitchFamily="34" charset="0"/>
+              <a:buChar char="•"/>
+              <a:defRPr sz="1800" kern="1200">
+                <a:solidFill>
+                  <a:schemeClr val="tx1"/>
+                </a:solidFill>
+                <a:latin typeface="+mn-lt"/>
+                <a:ea typeface="+mn-ea"/>
+                <a:cs typeface="+mn-cs"/>
+              </a:defRPr>
+            </a:lvl5pPr>
+            <a:lvl6pPr marL="2514600" indent="-228600" algn="l" defTabSz="914400" rtl="0" eaLnBrk="1" latinLnBrk="0" hangingPunct="1">
+              <a:lnSpc>
+                <a:spcPct val="90000"/>
+              </a:lnSpc>
+              <a:spcBef>
+                <a:spcPts val="500"/>
+              </a:spcBef>
+              <a:buFont typeface="Arial" panose="020B0604020202020204" pitchFamily="34" charset="0"/>
+              <a:buChar char="•"/>
+              <a:defRPr sz="1800" kern="1200">
+                <a:solidFill>
+                  <a:schemeClr val="tx1"/>
+                </a:solidFill>
+                <a:latin typeface="+mn-lt"/>
+                <a:ea typeface="+mn-ea"/>
+                <a:cs typeface="+mn-cs"/>
+              </a:defRPr>
+            </a:lvl6pPr>
+            <a:lvl7pPr marL="2971800" indent="-228600" algn="l" defTabSz="914400" rtl="0" eaLnBrk="1" latinLnBrk="0" hangingPunct="1">
+              <a:lnSpc>
+                <a:spcPct val="90000"/>
+              </a:lnSpc>
+              <a:spcBef>
+                <a:spcPts val="500"/>
+              </a:spcBef>
+              <a:buFont typeface="Arial" panose="020B0604020202020204" pitchFamily="34" charset="0"/>
+              <a:buChar char="•"/>
+              <a:defRPr sz="1800" kern="1200">
+                <a:solidFill>
+                  <a:schemeClr val="tx1"/>
+                </a:solidFill>
+                <a:latin typeface="+mn-lt"/>
+                <a:ea typeface="+mn-ea"/>
+                <a:cs typeface="+mn-cs"/>
+              </a:defRPr>
+            </a:lvl7pPr>
+            <a:lvl8pPr marL="3429000" indent="-228600" algn="l" defTabSz="914400" rtl="0" eaLnBrk="1" latinLnBrk="0" hangingPunct="1">
+              <a:lnSpc>
+                <a:spcPct val="90000"/>
+              </a:lnSpc>
+              <a:spcBef>
+                <a:spcPts val="500"/>
+              </a:spcBef>
+              <a:buFont typeface="Arial" panose="020B0604020202020204" pitchFamily="34" charset="0"/>
+              <a:buChar char="•"/>
+              <a:defRPr sz="1800" kern="1200">
+                <a:solidFill>
+                  <a:schemeClr val="tx1"/>
+                </a:solidFill>
+                <a:latin typeface="+mn-lt"/>
+                <a:ea typeface="+mn-ea"/>
+                <a:cs typeface="+mn-cs"/>
+              </a:defRPr>
+            </a:lvl8pPr>
+            <a:lvl9pPr marL="3886200" indent="-228600" algn="l" defTabSz="914400" rtl="0" eaLnBrk="1" latinLnBrk="0" hangingPunct="1">
+              <a:lnSpc>
+                <a:spcPct val="90000"/>
+              </a:lnSpc>
+              <a:spcBef>
+                <a:spcPts val="500"/>
+              </a:spcBef>
+              <a:buFont typeface="Arial" panose="020B0604020202020204" pitchFamily="34" charset="0"/>
+              <a:buChar char="•"/>
+              <a:defRPr sz="1800" kern="1200">
+                <a:solidFill>
+                  <a:schemeClr val="tx1"/>
+                </a:solidFill>
+                <a:latin typeface="+mn-lt"/>
+                <a:ea typeface="+mn-ea"/>
+                <a:cs typeface="+mn-cs"/>
+              </a:defRPr>
+            </a:lvl9pPr>
+          </a:lstStyle>
+          <a:p>
+            <a:pPr marL="0" indent="0">
+              <a:buFont typeface="Arial" panose="020B0604020202020204" pitchFamily="34" charset="0"/>
+              <a:buNone/>
+            </a:pPr>
+            <a:r>
+              <a:rPr lang="tr-TR" i="1" dirty="0">
+                <a:latin typeface="Euclid Circular B" panose="020B0504000000000000" pitchFamily="34" charset="0"/>
+                <a:ea typeface="Euclid Circular B" panose="020B0504000000000000" pitchFamily="34" charset="0"/>
+              </a:rPr>
+              <a:t>(Planned) Final Release Date: </a:t>
+            </a:r>
+            <a:r>
+              <a:rPr lang="tr-TR" b="1" i="1" dirty="0">
+                <a:latin typeface="Euclid Circular B" panose="020B0504000000000000" pitchFamily="34" charset="0"/>
+                <a:ea typeface="Euclid Circular B" panose="020B0504000000000000" pitchFamily="34" charset="0"/>
+              </a:rPr>
+              <a:t>02 May 2023 </a:t>
+            </a:r>
+            <a:endParaRPr lang="en-US" b="1" i="1" dirty="0">
+              <a:latin typeface="Euclid Circular B" panose="020B0504000000000000" pitchFamily="34" charset="0"/>
+              <a:ea typeface="Euclid Circular B" panose="020B0504000000000000" pitchFamily="34" charset="0"/>
+            </a:endParaRPr>
+          </a:p>
+        </p:txBody>
+      </p:sp>
     </p:spTree>
     <p:extLst>
       <p:ext uri="{BB962C8B-B14F-4D97-AF65-F5344CB8AC3E}">
